--- a/docs/Презентация.pptx
+++ b/docs/Презентация.pptx
@@ -448,7 +448,7 @@
           <a:p>
             <a:fld id="{073ED0CC-082F-4160-86E5-0D6041F12778}" type="datetime1">
               <a:rPr lang="en-US" smtClean="0"/>
-              <a:t>4/13/2020</a:t>
+              <a:t>4/14/2020</a:t>
             </a:fld>
             <a:endParaRPr lang="en-US" dirty="0"/>
           </a:p>
@@ -773,7 +773,7 @@
           <a:p>
             <a:fld id="{073ED0CC-082F-4160-86E5-0D6041F12778}" type="datetime1">
               <a:rPr lang="en-US" smtClean="0"/>
-              <a:t>4/13/2020</a:t>
+              <a:t>4/14/2020</a:t>
             </a:fld>
             <a:endParaRPr lang="en-US" dirty="0"/>
           </a:p>
@@ -1022,7 +1022,7 @@
           <a:p>
             <a:fld id="{073ED0CC-082F-4160-86E5-0D6041F12778}" type="datetime1">
               <a:rPr lang="en-US" smtClean="0"/>
-              <a:t>4/13/2020</a:t>
+              <a:t>4/14/2020</a:t>
             </a:fld>
             <a:endParaRPr lang="en-US" dirty="0"/>
           </a:p>
@@ -1362,7 +1362,7 @@
           <a:p>
             <a:fld id="{073ED0CC-082F-4160-86E5-0D6041F12778}" type="datetime1">
               <a:rPr lang="en-US" smtClean="0"/>
-              <a:t>4/13/2020</a:t>
+              <a:t>4/14/2020</a:t>
             </a:fld>
             <a:endParaRPr lang="en-US" dirty="0"/>
           </a:p>
@@ -1710,7 +1710,7 @@
           <a:p>
             <a:fld id="{073ED0CC-082F-4160-86E5-0D6041F12778}" type="datetime1">
               <a:rPr lang="en-US" smtClean="0"/>
-              <a:t>4/13/2020</a:t>
+              <a:t>4/14/2020</a:t>
             </a:fld>
             <a:endParaRPr lang="en-US" dirty="0"/>
           </a:p>
@@ -2085,7 +2085,7 @@
           <a:p>
             <a:fld id="{073ED0CC-082F-4160-86E5-0D6041F12778}" type="datetime1">
               <a:rPr lang="en-US" smtClean="0"/>
-              <a:t>4/13/2020</a:t>
+              <a:t>4/14/2020</a:t>
             </a:fld>
             <a:endParaRPr lang="en-US" dirty="0"/>
           </a:p>
@@ -2556,7 +2556,7 @@
           <a:p>
             <a:fld id="{073ED0CC-082F-4160-86E5-0D6041F12778}" type="datetime1">
               <a:rPr lang="en-US" smtClean="0"/>
-              <a:t>4/13/2020</a:t>
+              <a:t>4/14/2020</a:t>
             </a:fld>
             <a:endParaRPr lang="en-US" dirty="0"/>
           </a:p>
@@ -2762,7 +2762,7 @@
           <a:p>
             <a:fld id="{073ED0CC-082F-4160-86E5-0D6041F12778}" type="datetime1">
               <a:rPr lang="en-US" smtClean="0"/>
-              <a:t>4/13/2020</a:t>
+              <a:t>4/14/2020</a:t>
             </a:fld>
             <a:endParaRPr lang="en-US" dirty="0"/>
           </a:p>
@@ -2974,7 +2974,7 @@
           <a:p>
             <a:fld id="{073ED0CC-082F-4160-86E5-0D6041F12778}" type="datetime1">
               <a:rPr lang="en-US" smtClean="0"/>
-              <a:t>4/13/2020</a:t>
+              <a:t>4/14/2020</a:t>
             </a:fld>
             <a:endParaRPr lang="en-US" dirty="0"/>
           </a:p>
@@ -3207,7 +3207,7 @@
           <a:p>
             <a:fld id="{073ED0CC-082F-4160-86E5-0D6041F12778}" type="datetime1">
               <a:rPr lang="en-US" smtClean="0"/>
-              <a:t>4/13/2020</a:t>
+              <a:t>4/14/2020</a:t>
             </a:fld>
             <a:endParaRPr lang="en-US" dirty="0"/>
           </a:p>
@@ -3456,7 +3456,7 @@
           <a:p>
             <a:fld id="{073ED0CC-082F-4160-86E5-0D6041F12778}" type="datetime1">
               <a:rPr lang="en-US" smtClean="0"/>
-              <a:t>4/13/2020</a:t>
+              <a:t>4/14/2020</a:t>
             </a:fld>
             <a:endParaRPr lang="en-US" dirty="0"/>
           </a:p>
@@ -3755,7 +3755,7 @@
           <a:p>
             <a:fld id="{073ED0CC-082F-4160-86E5-0D6041F12778}" type="datetime1">
               <a:rPr lang="en-US" smtClean="0"/>
-              <a:t>4/13/2020</a:t>
+              <a:t>4/14/2020</a:t>
             </a:fld>
             <a:endParaRPr lang="en-US" dirty="0"/>
           </a:p>
@@ -4150,7 +4150,7 @@
           <a:p>
             <a:fld id="{073ED0CC-082F-4160-86E5-0D6041F12778}" type="datetime1">
               <a:rPr lang="en-US" smtClean="0"/>
-              <a:t>4/13/2020</a:t>
+              <a:t>4/14/2020</a:t>
             </a:fld>
             <a:endParaRPr lang="en-US" dirty="0"/>
           </a:p>
@@ -4300,7 +4300,7 @@
           <a:p>
             <a:fld id="{073ED0CC-082F-4160-86E5-0D6041F12778}" type="datetime1">
               <a:rPr lang="en-US" smtClean="0"/>
-              <a:t>4/13/2020</a:t>
+              <a:t>4/14/2020</a:t>
             </a:fld>
             <a:endParaRPr lang="en-US" dirty="0"/>
           </a:p>
@@ -4427,7 +4427,7 @@
           <a:p>
             <a:fld id="{073ED0CC-082F-4160-86E5-0D6041F12778}" type="datetime1">
               <a:rPr lang="en-US" smtClean="0"/>
-              <a:t>4/13/2020</a:t>
+              <a:t>4/14/2020</a:t>
             </a:fld>
             <a:endParaRPr lang="en-US" dirty="0"/>
           </a:p>
@@ -4683,7 +4683,7 @@
           <a:p>
             <a:fld id="{073ED0CC-082F-4160-86E5-0D6041F12778}" type="datetime1">
               <a:rPr lang="en-US" smtClean="0"/>
-              <a:t>4/13/2020</a:t>
+              <a:t>4/14/2020</a:t>
             </a:fld>
             <a:endParaRPr lang="en-US" dirty="0"/>
           </a:p>
@@ -4999,7 +4999,7 @@
           <a:p>
             <a:fld id="{073ED0CC-082F-4160-86E5-0D6041F12778}" type="datetime1">
               <a:rPr lang="en-US" smtClean="0"/>
-              <a:t>4/13/2020</a:t>
+              <a:t>4/14/2020</a:t>
             </a:fld>
             <a:endParaRPr lang="en-US" dirty="0"/>
           </a:p>
@@ -5351,7 +5351,7 @@
           <a:p>
             <a:fld id="{073ED0CC-082F-4160-86E5-0D6041F12778}" type="datetime1">
               <a:rPr lang="en-US" smtClean="0"/>
-              <a:t>4/13/2020</a:t>
+              <a:t>4/14/2020</a:t>
             </a:fld>
             <a:endParaRPr lang="en-US" dirty="0"/>
           </a:p>
@@ -6631,6 +6631,26 @@
               </a:rPr>
               <a:t>flask_wtf</a:t>
             </a:r>
+            <a:r>
+              <a:rPr lang="en-US" sz="1900" dirty="0">
+                <a:solidFill>
+                  <a:schemeClr val="tx1"/>
+                </a:solidFill>
+                <a:latin typeface="Times New Roman" panose="02020603050405020304" pitchFamily="18" charset="0"/>
+                <a:cs typeface="Times New Roman" panose="02020603050405020304" pitchFamily="18" charset="0"/>
+              </a:rPr>
+              <a:t>, </a:t>
+            </a:r>
+            <a:r>
+              <a:rPr lang="en-US" sz="1900" dirty="0" err="1">
+                <a:solidFill>
+                  <a:schemeClr val="tx1"/>
+                </a:solidFill>
+                <a:latin typeface="Times New Roman" panose="02020603050405020304" pitchFamily="18" charset="0"/>
+                <a:cs typeface="Times New Roman" panose="02020603050405020304" pitchFamily="18" charset="0"/>
+              </a:rPr>
+              <a:t>bbcodepy</a:t>
+            </a:r>
             <a:endParaRPr lang="en-US" sz="1900" dirty="0">
               <a:solidFill>
                 <a:schemeClr val="tx1"/>
